--- a/project_proposal.pptx
+++ b/project_proposal.pptx
@@ -7,7 +7,10 @@
   <p:sldIdLst>
     <p:sldId id="256" r:id="rId2"/>
     <p:sldId id="257" r:id="rId3"/>
-    <p:sldId id="258" r:id="rId4"/>
+    <p:sldId id="260" r:id="rId4"/>
+    <p:sldId id="261" r:id="rId5"/>
+    <p:sldId id="258" r:id="rId6"/>
+    <p:sldId id="259" r:id="rId7"/>
   </p:sldIdLst>
   <p:sldSz cx="12192000" cy="6858000"/>
   <p:notesSz cx="6858000" cy="9144000"/>
@@ -106,6 +109,11 @@
       </a:defRPr>
     </a:lvl9pPr>
   </p:defaultTextStyle>
+  <p:extLst>
+    <p:ext uri="{EFAFB233-063F-42B5-8137-9DF3F51BA10A}">
+      <p15:sldGuideLst xmlns:p15="http://schemas.microsoft.com/office/powerpoint/2012/main"/>
+    </p:ext>
+  </p:extLst>
 </p:presentation>
 </file>
 
@@ -256,7 +264,7 @@
           <a:p>
             <a:fld id="{D2F76DB7-6613-EB4F-BB60-A3D4CE948372}" type="datetimeFigureOut">
               <a:rPr lang="en-US" smtClean="0"/>
-              <a:t>4/22/22</a:t>
+              <a:t>4/23/22</a:t>
             </a:fld>
             <a:endParaRPr lang="en-US"/>
           </a:p>
@@ -454,7 +462,7 @@
           <a:p>
             <a:fld id="{D2F76DB7-6613-EB4F-BB60-A3D4CE948372}" type="datetimeFigureOut">
               <a:rPr lang="en-US" smtClean="0"/>
-              <a:t>4/22/22</a:t>
+              <a:t>4/23/22</a:t>
             </a:fld>
             <a:endParaRPr lang="en-US"/>
           </a:p>
@@ -662,7 +670,7 @@
           <a:p>
             <a:fld id="{D2F76DB7-6613-EB4F-BB60-A3D4CE948372}" type="datetimeFigureOut">
               <a:rPr lang="en-US" smtClean="0"/>
-              <a:t>4/22/22</a:t>
+              <a:t>4/23/22</a:t>
             </a:fld>
             <a:endParaRPr lang="en-US"/>
           </a:p>
@@ -860,7 +868,7 @@
           <a:p>
             <a:fld id="{D2F76DB7-6613-EB4F-BB60-A3D4CE948372}" type="datetimeFigureOut">
               <a:rPr lang="en-US" smtClean="0"/>
-              <a:t>4/22/22</a:t>
+              <a:t>4/23/22</a:t>
             </a:fld>
             <a:endParaRPr lang="en-US"/>
           </a:p>
@@ -1135,7 +1143,7 @@
           <a:p>
             <a:fld id="{D2F76DB7-6613-EB4F-BB60-A3D4CE948372}" type="datetimeFigureOut">
               <a:rPr lang="en-US" smtClean="0"/>
-              <a:t>4/22/22</a:t>
+              <a:t>4/23/22</a:t>
             </a:fld>
             <a:endParaRPr lang="en-US"/>
           </a:p>
@@ -1400,7 +1408,7 @@
           <a:p>
             <a:fld id="{D2F76DB7-6613-EB4F-BB60-A3D4CE948372}" type="datetimeFigureOut">
               <a:rPr lang="en-US" smtClean="0"/>
-              <a:t>4/22/22</a:t>
+              <a:t>4/23/22</a:t>
             </a:fld>
             <a:endParaRPr lang="en-US"/>
           </a:p>
@@ -1812,7 +1820,7 @@
           <a:p>
             <a:fld id="{D2F76DB7-6613-EB4F-BB60-A3D4CE948372}" type="datetimeFigureOut">
               <a:rPr lang="en-US" smtClean="0"/>
-              <a:t>4/22/22</a:t>
+              <a:t>4/23/22</a:t>
             </a:fld>
             <a:endParaRPr lang="en-US"/>
           </a:p>
@@ -1953,7 +1961,7 @@
           <a:p>
             <a:fld id="{D2F76DB7-6613-EB4F-BB60-A3D4CE948372}" type="datetimeFigureOut">
               <a:rPr lang="en-US" smtClean="0"/>
-              <a:t>4/22/22</a:t>
+              <a:t>4/23/22</a:t>
             </a:fld>
             <a:endParaRPr lang="en-US"/>
           </a:p>
@@ -2066,7 +2074,7 @@
           <a:p>
             <a:fld id="{D2F76DB7-6613-EB4F-BB60-A3D4CE948372}" type="datetimeFigureOut">
               <a:rPr lang="en-US" smtClean="0"/>
-              <a:t>4/22/22</a:t>
+              <a:t>4/23/22</a:t>
             </a:fld>
             <a:endParaRPr lang="en-US"/>
           </a:p>
@@ -2377,7 +2385,7 @@
           <a:p>
             <a:fld id="{D2F76DB7-6613-EB4F-BB60-A3D4CE948372}" type="datetimeFigureOut">
               <a:rPr lang="en-US" smtClean="0"/>
-              <a:t>4/22/22</a:t>
+              <a:t>4/23/22</a:t>
             </a:fld>
             <a:endParaRPr lang="en-US"/>
           </a:p>
@@ -2665,7 +2673,7 @@
           <a:p>
             <a:fld id="{D2F76DB7-6613-EB4F-BB60-A3D4CE948372}" type="datetimeFigureOut">
               <a:rPr lang="en-US" smtClean="0"/>
-              <a:t>4/22/22</a:t>
+              <a:t>4/23/22</a:t>
             </a:fld>
             <a:endParaRPr lang="en-US"/>
           </a:p>
@@ -2906,7 +2914,7 @@
           <a:p>
             <a:fld id="{D2F76DB7-6613-EB4F-BB60-A3D4CE948372}" type="datetimeFigureOut">
               <a:rPr lang="en-US" smtClean="0"/>
-              <a:t>4/22/22</a:t>
+              <a:t>4/23/22</a:t>
             </a:fld>
             <a:endParaRPr lang="en-US"/>
           </a:p>
@@ -3558,16 +3566,20 @@
         <p:spPr>
           <a:xfrm>
             <a:off x="457200" y="28568"/>
-            <a:ext cx="3619500" cy="1325563"/>
+            <a:ext cx="5207000" cy="1325563"/>
           </a:xfrm>
         </p:spPr>
         <p:txBody>
           <a:bodyPr/>
           <a:lstStyle/>
           <a:p>
+            <a:pPr marL="457200" indent="-457200">
+              <a:buFont typeface="Arial" panose="020B0604020202020204" pitchFamily="34" charset="0"/>
+              <a:buChar char="•"/>
+            </a:pPr>
             <a:r>
               <a:rPr lang="en-US" dirty="0"/>
-              <a:t>The Dataset</a:t>
+              <a:t>Problem definition </a:t>
             </a:r>
           </a:p>
         </p:txBody>
@@ -3647,6 +3659,87 @@
               <a:rPr lang="en-US" sz="1050" dirty="0"/>
               <a:t>/Conduct-a-Telephone-Survey</a:t>
             </a:r>
+          </a:p>
+        </p:txBody>
+      </p:sp>
+      <p:sp>
+        <p:nvSpPr>
+          <p:cNvPr id="3" name="TextBox 2">
+            <a:extLst>
+              <a:ext uri="{FF2B5EF4-FFF2-40B4-BE49-F238E27FC236}">
+                <a16:creationId xmlns:a16="http://schemas.microsoft.com/office/drawing/2014/main" id="{027AA439-16B6-4C6F-5E69-94E852042E0C}"/>
+              </a:ext>
+            </a:extLst>
+          </p:cNvPr>
+          <p:cNvSpPr txBox="1"/>
+          <p:nvPr/>
+        </p:nvSpPr>
+        <p:spPr>
+          <a:xfrm>
+            <a:off x="929123" y="953794"/>
+            <a:ext cx="7620001" cy="2308324"/>
+          </a:xfrm>
+          <a:prstGeom prst="rect">
+            <a:avLst/>
+          </a:prstGeom>
+          <a:noFill/>
+        </p:spPr>
+        <p:txBody>
+          <a:bodyPr wrap="square" rtlCol="0">
+            <a:spAutoFit/>
+          </a:bodyPr>
+          <a:lstStyle/>
+          <a:p>
+            <a:pPr marL="914400" lvl="1" indent="-457200">
+              <a:buFont typeface="Arial" panose="020B0604020202020204" pitchFamily="34" charset="0"/>
+              <a:buChar char="•"/>
+            </a:pPr>
+            <a:r>
+              <a:rPr lang="en-US" dirty="0"/>
+              <a:t>Prediction of Common Heart Disease (CORONARY HEART DISEASE (CHD) OR MYOCARDIAL INFARCTION (MI) ) for different age groups</a:t>
+            </a:r>
+          </a:p>
+          <a:p>
+            <a:pPr marL="914400" lvl="1" indent="-457200">
+              <a:buFont typeface="Arial" panose="020B0604020202020204" pitchFamily="34" charset="0"/>
+              <a:buChar char="•"/>
+            </a:pPr>
+            <a:endParaRPr lang="en-US" dirty="0"/>
+          </a:p>
+          <a:p>
+            <a:pPr marL="914400" lvl="1" indent="-457200">
+              <a:buFont typeface="Arial" panose="020B0604020202020204" pitchFamily="34" charset="0"/>
+              <a:buChar char="•"/>
+            </a:pPr>
+            <a:endParaRPr lang="en-US" dirty="0"/>
+          </a:p>
+          <a:p>
+            <a:pPr marL="914400" lvl="1" indent="-457200">
+              <a:buFont typeface="Arial" panose="020B0604020202020204" pitchFamily="34" charset="0"/>
+              <a:buChar char="•"/>
+            </a:pPr>
+            <a:endParaRPr lang="en-US" dirty="0"/>
+          </a:p>
+          <a:p>
+            <a:pPr marL="914400" lvl="1" indent="-457200">
+              <a:buFont typeface="Arial" panose="020B0604020202020204" pitchFamily="34" charset="0"/>
+              <a:buChar char="•"/>
+            </a:pPr>
+            <a:endParaRPr lang="en-US" dirty="0"/>
+          </a:p>
+          <a:p>
+            <a:pPr marL="914400" lvl="1" indent="-457200">
+              <a:buFont typeface="Arial" panose="020B0604020202020204" pitchFamily="34" charset="0"/>
+              <a:buChar char="•"/>
+            </a:pPr>
+            <a:endParaRPr lang="en-US" dirty="0"/>
+          </a:p>
+          <a:p>
+            <a:pPr marL="914400" lvl="1" indent="-457200">
+              <a:buFont typeface="Arial" panose="020B0604020202020204" pitchFamily="34" charset="0"/>
+              <a:buChar char="•"/>
+            </a:pPr>
+            <a:endParaRPr lang="en-US" dirty="0"/>
           </a:p>
         </p:txBody>
       </p:sp>
@@ -3680,39 +3773,349 @@
           <a:chExt cx="0" cy="0"/>
         </a:xfrm>
       </p:grpSpPr>
-      <p:sp>
-        <p:nvSpPr>
-          <p:cNvPr id="2" name="Title 1">
-            <a:extLst>
-              <a:ext uri="{FF2B5EF4-FFF2-40B4-BE49-F238E27FC236}">
-                <a16:creationId xmlns:a16="http://schemas.microsoft.com/office/drawing/2014/main" id="{6081A052-CCCA-3A9A-2229-C670AE54DDC5}"/>
-              </a:ext>
-            </a:extLst>
-          </p:cNvPr>
-          <p:cNvSpPr>
-            <a:spLocks noGrp="1"/>
-          </p:cNvSpPr>
-          <p:nvPr>
-            <p:ph type="title"/>
-          </p:nvPr>
-        </p:nvSpPr>
+      <p:pic>
+        <p:nvPicPr>
+          <p:cNvPr id="5" name="Content Placeholder 4">
+            <a:extLst>
+              <a:ext uri="{FF2B5EF4-FFF2-40B4-BE49-F238E27FC236}">
+                <a16:creationId xmlns:a16="http://schemas.microsoft.com/office/drawing/2014/main" id="{C6F370D2-8184-5D1F-EAF6-1A47BDA4BE90}"/>
+              </a:ext>
+            </a:extLst>
+          </p:cNvPr>
+          <p:cNvPicPr>
+            <a:picLocks noGrp="1" noChangeAspect="1"/>
+          </p:cNvPicPr>
+          <p:nvPr>
+            <p:ph idx="1"/>
+          </p:nvPr>
+        </p:nvPicPr>
+        <p:blipFill>
+          <a:blip r:embed="rId2">
+            <a:alphaModFix amt="23000"/>
+          </a:blip>
+          <a:stretch>
+            <a:fillRect/>
+          </a:stretch>
+        </p:blipFill>
         <p:spPr>
           <a:xfrm>
-            <a:off x="449603" y="33968"/>
-            <a:ext cx="4791075" cy="1325563"/>
+            <a:off x="7215188" y="557212"/>
+            <a:ext cx="4519612" cy="3389709"/>
           </a:xfrm>
         </p:spPr>
-        <p:txBody>
-          <a:bodyPr/>
-          <a:lstStyle/>
-          <a:p>
+      </p:pic>
+      <p:sp>
+        <p:nvSpPr>
+          <p:cNvPr id="8" name="TextBox 7">
+            <a:extLst>
+              <a:ext uri="{FF2B5EF4-FFF2-40B4-BE49-F238E27FC236}">
+                <a16:creationId xmlns:a16="http://schemas.microsoft.com/office/drawing/2014/main" id="{C82A784C-68EA-FC51-F843-1FBED12CEE18}"/>
+              </a:ext>
+            </a:extLst>
+          </p:cNvPr>
+          <p:cNvSpPr txBox="1"/>
+          <p:nvPr/>
+        </p:nvSpPr>
+        <p:spPr>
+          <a:xfrm>
+            <a:off x="7215188" y="3946921"/>
+            <a:ext cx="5768260" cy="253916"/>
+          </a:xfrm>
+          <a:prstGeom prst="rect">
+            <a:avLst/>
+          </a:prstGeom>
+          <a:noFill/>
+        </p:spPr>
+        <p:txBody>
+          <a:bodyPr wrap="square" rtlCol="0">
+            <a:spAutoFit/>
+          </a:bodyPr>
+          <a:lstStyle/>
+          <a:p>
+            <a:r>
+              <a:rPr lang="en-US" sz="1050" dirty="0" err="1"/>
+              <a:t>Source:https</a:t>
+            </a:r>
+            <a:r>
+              <a:rPr lang="en-US" sz="1050" dirty="0"/>
+              <a:t>://</a:t>
+            </a:r>
+            <a:r>
+              <a:rPr lang="en-US" sz="1050" dirty="0" err="1"/>
+              <a:t>www.wikihow.com</a:t>
+            </a:r>
+            <a:r>
+              <a:rPr lang="en-US" sz="1050" dirty="0"/>
+              <a:t>/Conduct-a-Telephone-Survey</a:t>
+            </a:r>
+          </a:p>
+        </p:txBody>
+      </p:sp>
+      <p:sp>
+        <p:nvSpPr>
+          <p:cNvPr id="6" name="Title 1">
+            <a:extLst>
+              <a:ext uri="{FF2B5EF4-FFF2-40B4-BE49-F238E27FC236}">
+                <a16:creationId xmlns:a16="http://schemas.microsoft.com/office/drawing/2014/main" id="{CABB6D72-F170-E2A5-F579-302E76B9EE8A}"/>
+              </a:ext>
+            </a:extLst>
+          </p:cNvPr>
+          <p:cNvSpPr txBox="1">
+            <a:spLocks/>
+          </p:cNvSpPr>
+          <p:nvPr/>
+        </p:nvSpPr>
+        <p:spPr>
+          <a:xfrm>
+            <a:off x="444500" y="1363259"/>
+            <a:ext cx="5207000" cy="1325563"/>
+          </a:xfrm>
+          <a:prstGeom prst="rect">
+            <a:avLst/>
+          </a:prstGeom>
+        </p:spPr>
+        <p:txBody>
+          <a:bodyPr vert="horz" lIns="91440" tIns="45720" rIns="91440" bIns="45720" rtlCol="0" anchor="ctr">
+            <a:normAutofit/>
+          </a:bodyPr>
+          <a:lstStyle>
+            <a:lvl1pPr algn="l" defTabSz="914400" rtl="0" eaLnBrk="1" latinLnBrk="0" hangingPunct="1">
+              <a:lnSpc>
+                <a:spcPct val="90000"/>
+              </a:lnSpc>
+              <a:spcBef>
+                <a:spcPct val="0"/>
+              </a:spcBef>
+              <a:buNone/>
+              <a:defRPr sz="4400" kern="1200">
+                <a:solidFill>
+                  <a:schemeClr val="tx1"/>
+                </a:solidFill>
+                <a:latin typeface="+mj-lt"/>
+                <a:ea typeface="+mj-ea"/>
+                <a:cs typeface="+mj-cs"/>
+              </a:defRPr>
+            </a:lvl1pPr>
+          </a:lstStyle>
+          <a:p>
+            <a:pPr marL="457200" indent="-457200">
+              <a:buFont typeface="Arial" panose="020B0604020202020204" pitchFamily="34" charset="0"/>
+              <a:buChar char="•"/>
+            </a:pPr>
             <a:r>
               <a:rPr lang="en-US" dirty="0"/>
-              <a:t>Data Preparation</a:t>
-            </a:r>
-          </a:p>
-        </p:txBody>
-      </p:sp>
+              <a:t>Dataset description</a:t>
+            </a:r>
+          </a:p>
+        </p:txBody>
+      </p:sp>
+      <p:sp>
+        <p:nvSpPr>
+          <p:cNvPr id="4" name="TextBox 3">
+            <a:extLst>
+              <a:ext uri="{FF2B5EF4-FFF2-40B4-BE49-F238E27FC236}">
+                <a16:creationId xmlns:a16="http://schemas.microsoft.com/office/drawing/2014/main" id="{687CAE2E-610F-D398-6F98-EE2CA8DFFA01}"/>
+              </a:ext>
+            </a:extLst>
+          </p:cNvPr>
+          <p:cNvSpPr txBox="1"/>
+          <p:nvPr/>
+        </p:nvSpPr>
+        <p:spPr>
+          <a:xfrm>
+            <a:off x="49516" y="2688822"/>
+            <a:ext cx="8045279" cy="4247317"/>
+          </a:xfrm>
+          <a:prstGeom prst="rect">
+            <a:avLst/>
+          </a:prstGeom>
+          <a:noFill/>
+        </p:spPr>
+        <p:txBody>
+          <a:bodyPr wrap="none" rtlCol="0">
+            <a:spAutoFit/>
+          </a:bodyPr>
+          <a:lstStyle/>
+          <a:p>
+            <a:pPr marL="914400" lvl="1" indent="-457200">
+              <a:buFont typeface="Arial" panose="020B0604020202020204" pitchFamily="34" charset="0"/>
+              <a:buChar char="•"/>
+            </a:pPr>
+            <a:r>
+              <a:rPr lang="en-US" dirty="0"/>
+              <a:t>Behavioral Risk Factor Surveillance System (2020 CDC)</a:t>
+            </a:r>
+          </a:p>
+          <a:p>
+            <a:pPr marL="1371600" lvl="2" indent="-457200">
+              <a:buFont typeface="Arial" panose="020B0604020202020204" pitchFamily="34" charset="0"/>
+              <a:buChar char="•"/>
+            </a:pPr>
+            <a:r>
+              <a:rPr lang="en-US" dirty="0"/>
+              <a:t>Collection method – annual phone survey(2016-2020)</a:t>
+            </a:r>
+          </a:p>
+          <a:p>
+            <a:pPr marL="1371600" lvl="2" indent="-457200">
+              <a:buFont typeface="Arial" panose="020B0604020202020204" pitchFamily="34" charset="0"/>
+              <a:buChar char="•"/>
+            </a:pPr>
+            <a:r>
+              <a:rPr lang="en-US" dirty="0"/>
+              <a:t>Question examples:</a:t>
+            </a:r>
+          </a:p>
+          <a:p>
+            <a:pPr marL="1828800" lvl="3" indent="-457200">
+              <a:buFont typeface="Arial" panose="020B0604020202020204" pitchFamily="34" charset="0"/>
+              <a:buChar char="•"/>
+            </a:pPr>
+            <a:r>
+              <a:rPr lang="en-US" dirty="0"/>
+              <a:t>?</a:t>
+            </a:r>
+          </a:p>
+          <a:p>
+            <a:pPr marL="1828800" lvl="3" indent="-457200">
+              <a:buFont typeface="Arial" panose="020B0604020202020204" pitchFamily="34" charset="0"/>
+              <a:buChar char="•"/>
+            </a:pPr>
+            <a:r>
+              <a:rPr lang="en-US" dirty="0"/>
+              <a:t>?</a:t>
+            </a:r>
+          </a:p>
+          <a:p>
+            <a:pPr marL="1828800" lvl="3" indent="-457200">
+              <a:buFont typeface="Arial" panose="020B0604020202020204" pitchFamily="34" charset="0"/>
+              <a:buChar char="•"/>
+            </a:pPr>
+            <a:r>
+              <a:rPr lang="en-US" dirty="0"/>
+              <a:t>?</a:t>
+            </a:r>
+          </a:p>
+          <a:p>
+            <a:pPr marL="1371600" lvl="2" indent="-457200">
+              <a:buFont typeface="Arial" panose="020B0604020202020204" pitchFamily="34" charset="0"/>
+              <a:buChar char="•"/>
+            </a:pPr>
+            <a:r>
+              <a:rPr lang="en-US" dirty="0"/>
+              <a:t>Calculated </a:t>
+            </a:r>
+          </a:p>
+          <a:p>
+            <a:pPr marL="1828800" lvl="3" indent="-457200">
+              <a:buFont typeface="Arial" panose="020B0604020202020204" pitchFamily="34" charset="0"/>
+              <a:buChar char="•"/>
+            </a:pPr>
+            <a:r>
+              <a:rPr lang="ru-RU" dirty="0"/>
+              <a:t>А</a:t>
+            </a:r>
+            <a:r>
+              <a:rPr lang="en-US" dirty="0" err="1"/>
+              <a:t>ge</a:t>
+            </a:r>
+            <a:r>
+              <a:rPr lang="en-US" dirty="0"/>
+              <a:t> groups</a:t>
+            </a:r>
+          </a:p>
+          <a:p>
+            <a:pPr marL="1828800" lvl="3" indent="-457200">
+              <a:buFont typeface="Arial" panose="020B0604020202020204" pitchFamily="34" charset="0"/>
+              <a:buChar char="•"/>
+            </a:pPr>
+            <a:endParaRPr lang="en-US" dirty="0"/>
+          </a:p>
+          <a:p>
+            <a:pPr marL="914400" lvl="1" indent="-457200">
+              <a:buFont typeface="Arial" panose="020B0604020202020204" pitchFamily="34" charset="0"/>
+              <a:buChar char="•"/>
+            </a:pPr>
+            <a:r>
+              <a:rPr lang="en-US" dirty="0"/>
+              <a:t>Initial Dataset had 279 Features (which correspond to questions):</a:t>
+            </a:r>
+          </a:p>
+          <a:p>
+            <a:pPr marL="1371600" lvl="2" indent="-457200">
+              <a:buFont typeface="Arial" panose="020B0604020202020204" pitchFamily="34" charset="0"/>
+              <a:buChar char="•"/>
+            </a:pPr>
+            <a:r>
+              <a:rPr lang="en-US" dirty="0"/>
+              <a:t>?</a:t>
+            </a:r>
+          </a:p>
+          <a:p>
+            <a:pPr marL="1371600" lvl="2" indent="-457200">
+              <a:buFont typeface="Arial" panose="020B0604020202020204" pitchFamily="34" charset="0"/>
+              <a:buChar char="•"/>
+            </a:pPr>
+            <a:r>
+              <a:rPr lang="en-US" dirty="0"/>
+              <a:t>?</a:t>
+            </a:r>
+          </a:p>
+          <a:p>
+            <a:pPr marL="1371600" lvl="2" indent="-457200">
+              <a:buFont typeface="Arial" panose="020B0604020202020204" pitchFamily="34" charset="0"/>
+              <a:buChar char="•"/>
+            </a:pPr>
+            <a:r>
+              <a:rPr lang="en-US" dirty="0"/>
+              <a:t>?</a:t>
+            </a:r>
+          </a:p>
+          <a:p>
+            <a:pPr marL="914400" lvl="1" indent="-457200">
+              <a:buFont typeface="Arial" panose="020B0604020202020204" pitchFamily="34" charset="0"/>
+              <a:buChar char="•"/>
+            </a:pPr>
+            <a:r>
+              <a:rPr lang="en-US" dirty="0"/>
+              <a:t>Initial Dataset had ~400k samples (each sample corresponds to individual)</a:t>
+            </a:r>
+          </a:p>
+          <a:p>
+            <a:endParaRPr lang="en-US" dirty="0"/>
+          </a:p>
+        </p:txBody>
+      </p:sp>
+    </p:spTree>
+    <p:extLst>
+      <p:ext uri="{BB962C8B-B14F-4D97-AF65-F5344CB8AC3E}">
+        <p14:creationId xmlns:p14="http://schemas.microsoft.com/office/powerpoint/2010/main" val="1398138306"/>
+      </p:ext>
+    </p:extLst>
+  </p:cSld>
+  <p:clrMapOvr>
+    <a:masterClrMapping/>
+  </p:clrMapOvr>
+</p:sld>
+</file>
+
+<file path=ppt/slides/slide4.xml><?xml version="1.0" encoding="utf-8"?>
+<p:sld xmlns:a="http://schemas.openxmlformats.org/drawingml/2006/main" xmlns:r="http://schemas.openxmlformats.org/officeDocument/2006/relationships" xmlns:p="http://schemas.openxmlformats.org/presentationml/2006/main">
+  <p:cSld>
+    <p:spTree>
+      <p:nvGrpSpPr>
+        <p:cNvPr id="1" name=""/>
+        <p:cNvGrpSpPr/>
+        <p:nvPr/>
+      </p:nvGrpSpPr>
+      <p:grpSpPr>
+        <a:xfrm>
+          <a:off x="0" y="0"/>
+          <a:ext cx="0" cy="0"/>
+          <a:chOff x="0" y="0"/>
+          <a:chExt cx="0" cy="0"/>
+        </a:xfrm>
+      </p:grpSpPr>
       <p:pic>
         <p:nvPicPr>
           <p:cNvPr id="7" name="Picture 6">
@@ -3790,10 +4193,711 @@
           </a:p>
         </p:txBody>
       </p:sp>
+      <p:sp>
+        <p:nvSpPr>
+          <p:cNvPr id="8" name="Title 1">
+            <a:extLst>
+              <a:ext uri="{FF2B5EF4-FFF2-40B4-BE49-F238E27FC236}">
+                <a16:creationId xmlns:a16="http://schemas.microsoft.com/office/drawing/2014/main" id="{3A19C34A-A4D9-0C46-F97B-11B76F848256}"/>
+              </a:ext>
+            </a:extLst>
+          </p:cNvPr>
+          <p:cNvSpPr txBox="1">
+            <a:spLocks/>
+          </p:cNvSpPr>
+          <p:nvPr/>
+        </p:nvSpPr>
+        <p:spPr>
+          <a:xfrm>
+            <a:off x="449602" y="593725"/>
+            <a:ext cx="4791075" cy="1325563"/>
+          </a:xfrm>
+          <a:prstGeom prst="rect">
+            <a:avLst/>
+          </a:prstGeom>
+        </p:spPr>
+        <p:txBody>
+          <a:bodyPr vert="horz" lIns="91440" tIns="45720" rIns="91440" bIns="45720" rtlCol="0" anchor="ctr">
+            <a:normAutofit/>
+          </a:bodyPr>
+          <a:lstStyle>
+            <a:lvl1pPr algn="l" defTabSz="914400" rtl="0" eaLnBrk="1" latinLnBrk="0" hangingPunct="1">
+              <a:lnSpc>
+                <a:spcPct val="90000"/>
+              </a:lnSpc>
+              <a:spcBef>
+                <a:spcPct val="0"/>
+              </a:spcBef>
+              <a:buNone/>
+              <a:defRPr sz="4400" kern="1200">
+                <a:solidFill>
+                  <a:schemeClr val="tx1"/>
+                </a:solidFill>
+                <a:latin typeface="+mj-lt"/>
+                <a:ea typeface="+mj-ea"/>
+                <a:cs typeface="+mj-cs"/>
+              </a:defRPr>
+            </a:lvl1pPr>
+          </a:lstStyle>
+          <a:p>
+            <a:r>
+              <a:rPr lang="en-US" dirty="0"/>
+              <a:t>Insights to be gained </a:t>
+            </a:r>
+          </a:p>
+        </p:txBody>
+      </p:sp>
+      <p:sp>
+        <p:nvSpPr>
+          <p:cNvPr id="4" name="TextBox 3">
+            <a:extLst>
+              <a:ext uri="{FF2B5EF4-FFF2-40B4-BE49-F238E27FC236}">
+                <a16:creationId xmlns:a16="http://schemas.microsoft.com/office/drawing/2014/main" id="{F0822C53-D541-86EB-D4DC-0684A26C45C1}"/>
+              </a:ext>
+            </a:extLst>
+          </p:cNvPr>
+          <p:cNvSpPr txBox="1"/>
+          <p:nvPr/>
+        </p:nvSpPr>
+        <p:spPr>
+          <a:xfrm>
+            <a:off x="-229477" y="2138604"/>
+            <a:ext cx="9723175" cy="646331"/>
+          </a:xfrm>
+          <a:prstGeom prst="rect">
+            <a:avLst/>
+          </a:prstGeom>
+          <a:noFill/>
+        </p:spPr>
+        <p:txBody>
+          <a:bodyPr wrap="none" rtlCol="0">
+            <a:spAutoFit/>
+          </a:bodyPr>
+          <a:lstStyle/>
+          <a:p>
+            <a:pPr marL="914400" lvl="1" indent="-457200">
+              <a:buFont typeface="Arial" panose="020B0604020202020204" pitchFamily="34" charset="0"/>
+              <a:buChar char="•"/>
+            </a:pPr>
+            <a:r>
+              <a:rPr lang="en-US" dirty="0"/>
+              <a:t>Find a single or combination of features that affect the chances of developing heart disease:</a:t>
+            </a:r>
+          </a:p>
+          <a:p>
+            <a:pPr marL="1371600" lvl="2" indent="-457200">
+              <a:buFont typeface="Arial" panose="020B0604020202020204" pitchFamily="34" charset="0"/>
+              <a:buChar char="•"/>
+            </a:pPr>
+            <a:r>
+              <a:rPr lang="en-US" dirty="0"/>
+              <a:t>Example: heart disease risk level increases by smoking and decreases by exercise</a:t>
+            </a:r>
+          </a:p>
+        </p:txBody>
+      </p:sp>
+    </p:spTree>
+    <p:extLst>
+      <p:ext uri="{BB962C8B-B14F-4D97-AF65-F5344CB8AC3E}">
+        <p14:creationId xmlns:p14="http://schemas.microsoft.com/office/powerpoint/2010/main" val="3812545572"/>
+      </p:ext>
+    </p:extLst>
+  </p:cSld>
+  <p:clrMapOvr>
+    <a:masterClrMapping/>
+  </p:clrMapOvr>
+</p:sld>
+</file>
+
+<file path=ppt/slides/slide5.xml><?xml version="1.0" encoding="utf-8"?>
+<p:sld xmlns:a="http://schemas.openxmlformats.org/drawingml/2006/main" xmlns:r="http://schemas.openxmlformats.org/officeDocument/2006/relationships" xmlns:p="http://schemas.openxmlformats.org/presentationml/2006/main">
+  <p:cSld>
+    <p:spTree>
+      <p:nvGrpSpPr>
+        <p:cNvPr id="1" name=""/>
+        <p:cNvGrpSpPr/>
+        <p:nvPr/>
+      </p:nvGrpSpPr>
+      <p:grpSpPr>
+        <a:xfrm>
+          <a:off x="0" y="0"/>
+          <a:ext cx="0" cy="0"/>
+          <a:chOff x="0" y="0"/>
+          <a:chExt cx="0" cy="0"/>
+        </a:xfrm>
+      </p:grpSpPr>
+      <p:sp>
+        <p:nvSpPr>
+          <p:cNvPr id="2" name="Title 1">
+            <a:extLst>
+              <a:ext uri="{FF2B5EF4-FFF2-40B4-BE49-F238E27FC236}">
+                <a16:creationId xmlns:a16="http://schemas.microsoft.com/office/drawing/2014/main" id="{6081A052-CCCA-3A9A-2229-C670AE54DDC5}"/>
+              </a:ext>
+            </a:extLst>
+          </p:cNvPr>
+          <p:cNvSpPr>
+            <a:spLocks noGrp="1"/>
+          </p:cNvSpPr>
+          <p:nvPr>
+            <p:ph type="title"/>
+          </p:nvPr>
+        </p:nvSpPr>
+        <p:spPr>
+          <a:xfrm>
+            <a:off x="449603" y="33968"/>
+            <a:ext cx="4791075" cy="1325563"/>
+          </a:xfrm>
+        </p:spPr>
+        <p:txBody>
+          <a:bodyPr/>
+          <a:lstStyle/>
+          <a:p>
+            <a:r>
+              <a:rPr lang="en-US" dirty="0"/>
+              <a:t>Analysis task to perform </a:t>
+            </a:r>
+          </a:p>
+        </p:txBody>
+      </p:sp>
+      <p:pic>
+        <p:nvPicPr>
+          <p:cNvPr id="7" name="Picture 6">
+            <a:extLst>
+              <a:ext uri="{FF2B5EF4-FFF2-40B4-BE49-F238E27FC236}">
+                <a16:creationId xmlns:a16="http://schemas.microsoft.com/office/drawing/2014/main" id="{B2547A7D-6AD4-68CA-8269-6A89B5DF33C5}"/>
+              </a:ext>
+            </a:extLst>
+          </p:cNvPr>
+          <p:cNvPicPr>
+            <a:picLocks noChangeAspect="1"/>
+          </p:cNvPicPr>
+          <p:nvPr/>
+        </p:nvPicPr>
+        <p:blipFill>
+          <a:blip r:embed="rId2">
+            <a:alphaModFix amt="54000"/>
+          </a:blip>
+          <a:stretch>
+            <a:fillRect/>
+          </a:stretch>
+        </p:blipFill>
+        <p:spPr>
+          <a:xfrm>
+            <a:off x="6518061" y="204477"/>
+            <a:ext cx="5450101" cy="3081648"/>
+          </a:xfrm>
+          <a:prstGeom prst="rect">
+            <a:avLst/>
+          </a:prstGeom>
+        </p:spPr>
+      </p:pic>
+      <p:sp>
+        <p:nvSpPr>
+          <p:cNvPr id="6" name="TextBox 5">
+            <a:extLst>
+              <a:ext uri="{FF2B5EF4-FFF2-40B4-BE49-F238E27FC236}">
+                <a16:creationId xmlns:a16="http://schemas.microsoft.com/office/drawing/2014/main" id="{866553DC-CF63-68CE-C341-2706EE7A7A78}"/>
+              </a:ext>
+            </a:extLst>
+          </p:cNvPr>
+          <p:cNvSpPr txBox="1"/>
+          <p:nvPr/>
+        </p:nvSpPr>
+        <p:spPr>
+          <a:xfrm>
+            <a:off x="8085852" y="3286125"/>
+            <a:ext cx="5768260" cy="253916"/>
+          </a:xfrm>
+          <a:prstGeom prst="rect">
+            <a:avLst/>
+          </a:prstGeom>
+          <a:noFill/>
+        </p:spPr>
+        <p:txBody>
+          <a:bodyPr wrap="square" rtlCol="0">
+            <a:spAutoFit/>
+          </a:bodyPr>
+          <a:lstStyle/>
+          <a:p>
+            <a:r>
+              <a:rPr lang="en-US" sz="1050" dirty="0"/>
+              <a:t>Source: </a:t>
+            </a:r>
+            <a:r>
+              <a:rPr lang="en-US" sz="1050" dirty="0">
+                <a:hlinkClick r:id="rId3"/>
+              </a:rPr>
+              <a:t>https://www.lumahealth.io</a:t>
+            </a:r>
+            <a:r>
+              <a:rPr lang="en-US" sz="1050" dirty="0"/>
+              <a:t>/</a:t>
+            </a:r>
+          </a:p>
+        </p:txBody>
+      </p:sp>
+      <p:sp>
+        <p:nvSpPr>
+          <p:cNvPr id="3" name="TextBox 2">
+            <a:extLst>
+              <a:ext uri="{FF2B5EF4-FFF2-40B4-BE49-F238E27FC236}">
+                <a16:creationId xmlns:a16="http://schemas.microsoft.com/office/drawing/2014/main" id="{BC45B9C8-92AF-6673-A7CD-D9452631182B}"/>
+              </a:ext>
+            </a:extLst>
+          </p:cNvPr>
+          <p:cNvSpPr txBox="1"/>
+          <p:nvPr/>
+        </p:nvSpPr>
+        <p:spPr>
+          <a:xfrm>
+            <a:off x="449603" y="1385562"/>
+            <a:ext cx="7636249" cy="6463308"/>
+          </a:xfrm>
+          <a:prstGeom prst="rect">
+            <a:avLst/>
+          </a:prstGeom>
+          <a:noFill/>
+        </p:spPr>
+        <p:txBody>
+          <a:bodyPr wrap="square" rtlCol="0">
+            <a:spAutoFit/>
+          </a:bodyPr>
+          <a:lstStyle/>
+          <a:p>
+            <a:pPr marL="914400" lvl="1" indent="-457200">
+              <a:buFont typeface="Arial" panose="020B0604020202020204" pitchFamily="34" charset="0"/>
+              <a:buChar char="•"/>
+            </a:pPr>
+            <a:r>
+              <a:rPr lang="en-US" dirty="0"/>
+              <a:t>Initial Data Preparation (400k x 279 -&gt; 336k x 46)</a:t>
+            </a:r>
+          </a:p>
+          <a:p>
+            <a:pPr marL="1371600" lvl="2" indent="-457200">
+              <a:buFont typeface="Arial" panose="020B0604020202020204" pitchFamily="34" charset="0"/>
+              <a:buChar char="•"/>
+            </a:pPr>
+            <a:r>
+              <a:rPr lang="en-US" dirty="0"/>
+              <a:t>Step1: non-sparse feature selection</a:t>
+            </a:r>
+          </a:p>
+          <a:p>
+            <a:pPr marL="1371600" lvl="2" indent="-457200">
+              <a:buFont typeface="Arial" panose="020B0604020202020204" pitchFamily="34" charset="0"/>
+              <a:buChar char="•"/>
+            </a:pPr>
+            <a:r>
+              <a:rPr lang="en-US" dirty="0"/>
+              <a:t>Step2: eliminate problem irrelevant features</a:t>
+            </a:r>
+          </a:p>
+          <a:p>
+            <a:pPr marL="1828800" lvl="3" indent="-457200">
+              <a:buFont typeface="Arial" panose="020B0604020202020204" pitchFamily="34" charset="0"/>
+              <a:buChar char="•"/>
+            </a:pPr>
+            <a:r>
+              <a:rPr lang="en-US" dirty="0"/>
+              <a:t>Survey date</a:t>
+            </a:r>
+          </a:p>
+          <a:p>
+            <a:pPr marL="1828800" lvl="3" indent="-457200">
+              <a:buFont typeface="Arial" panose="020B0604020202020204" pitchFamily="34" charset="0"/>
+              <a:buChar char="•"/>
+            </a:pPr>
+            <a:r>
+              <a:rPr lang="en-US" dirty="0"/>
+              <a:t>Phone number</a:t>
+            </a:r>
+          </a:p>
+          <a:p>
+            <a:pPr marL="1371600" lvl="2" indent="-457200">
+              <a:buFont typeface="Arial" panose="020B0604020202020204" pitchFamily="34" charset="0"/>
+              <a:buChar char="•"/>
+            </a:pPr>
+            <a:r>
+              <a:rPr lang="en-US" dirty="0"/>
+              <a:t>Step3: Remove rows with blank answers (nulls/NAs)</a:t>
+            </a:r>
+          </a:p>
+          <a:p>
+            <a:pPr marL="1371600" lvl="2" indent="-457200">
+              <a:buFont typeface="Arial" panose="020B0604020202020204" pitchFamily="34" charset="0"/>
+              <a:buChar char="•"/>
+            </a:pPr>
+            <a:r>
+              <a:rPr lang="en-US" dirty="0"/>
+              <a:t>Step4: Remove other non-contributing features/rows (with answers: refuse(99))</a:t>
+            </a:r>
+          </a:p>
+          <a:p>
+            <a:pPr marL="1371600" lvl="2" indent="-457200">
+              <a:buFont typeface="Arial" panose="020B0604020202020204" pitchFamily="34" charset="0"/>
+              <a:buChar char="•"/>
+            </a:pPr>
+            <a:endParaRPr lang="en-US" dirty="0"/>
+          </a:p>
+          <a:p>
+            <a:pPr marL="914400" lvl="1" indent="-457200">
+              <a:buFont typeface="Arial" panose="020B0604020202020204" pitchFamily="34" charset="0"/>
+              <a:buChar char="•"/>
+            </a:pPr>
+            <a:r>
+              <a:rPr lang="en-US" dirty="0"/>
+              <a:t>EDA</a:t>
+            </a:r>
+          </a:p>
+          <a:p>
+            <a:pPr marL="1371600" lvl="2" indent="-457200">
+              <a:buFont typeface="Arial" panose="020B0604020202020204" pitchFamily="34" charset="0"/>
+              <a:buChar char="•"/>
+            </a:pPr>
+            <a:r>
+              <a:rPr lang="en-US" dirty="0"/>
+              <a:t>Correlations (heat map)</a:t>
+            </a:r>
+          </a:p>
+          <a:p>
+            <a:pPr marL="1371600" lvl="2" indent="-457200">
+              <a:buFont typeface="Arial" panose="020B0604020202020204" pitchFamily="34" charset="0"/>
+              <a:buChar char="•"/>
+            </a:pPr>
+            <a:r>
+              <a:rPr lang="en-US" dirty="0"/>
+              <a:t>Histogram (age)</a:t>
+            </a:r>
+          </a:p>
+          <a:p>
+            <a:pPr marL="1371600" lvl="2" indent="-457200">
+              <a:buFont typeface="Arial" panose="020B0604020202020204" pitchFamily="34" charset="0"/>
+              <a:buChar char="•"/>
+            </a:pPr>
+            <a:r>
+              <a:rPr lang="en-US" dirty="0"/>
+              <a:t>Sex (pie)</a:t>
+            </a:r>
+          </a:p>
+          <a:p>
+            <a:pPr marL="1371600" lvl="2" indent="-457200">
+              <a:buFont typeface="Arial" panose="020B0604020202020204" pitchFamily="34" charset="0"/>
+              <a:buChar char="•"/>
+            </a:pPr>
+            <a:r>
+              <a:rPr lang="en-US" dirty="0"/>
+              <a:t>BMI (histogram)</a:t>
+            </a:r>
+          </a:p>
+          <a:p>
+            <a:pPr marL="1371600" lvl="2" indent="-457200">
+              <a:buFont typeface="Arial" panose="020B0604020202020204" pitchFamily="34" charset="0"/>
+              <a:buChar char="•"/>
+            </a:pPr>
+            <a:r>
+              <a:rPr lang="en-US" dirty="0"/>
+              <a:t>Sleep Time (histogram)</a:t>
+            </a:r>
+          </a:p>
+          <a:p>
+            <a:pPr marL="1371600" lvl="2" indent="-457200">
+              <a:buFont typeface="Arial" panose="020B0604020202020204" pitchFamily="34" charset="0"/>
+              <a:buChar char="•"/>
+            </a:pPr>
+            <a:r>
+              <a:rPr lang="en-US" dirty="0"/>
+              <a:t>Mental Health </a:t>
+            </a:r>
+            <a:r>
+              <a:rPr lang="en-US"/>
+              <a:t>(histogram)</a:t>
+            </a:r>
+            <a:endParaRPr lang="en-US" dirty="0"/>
+          </a:p>
+          <a:p>
+            <a:pPr marL="1371600" lvl="2" indent="-457200">
+              <a:buFont typeface="Arial" panose="020B0604020202020204" pitchFamily="34" charset="0"/>
+              <a:buChar char="•"/>
+            </a:pPr>
+            <a:endParaRPr lang="en-US" dirty="0"/>
+          </a:p>
+          <a:p>
+            <a:pPr lvl="1"/>
+            <a:endParaRPr lang="en-US" dirty="0"/>
+          </a:p>
+          <a:p>
+            <a:pPr marL="914400" lvl="1" indent="-457200">
+              <a:buFont typeface="Arial" panose="020B0604020202020204" pitchFamily="34" charset="0"/>
+              <a:buChar char="•"/>
+            </a:pPr>
+            <a:endParaRPr lang="en-US" dirty="0"/>
+          </a:p>
+          <a:p>
+            <a:pPr marL="1371600" lvl="2" indent="-457200">
+              <a:buFont typeface="Arial" panose="020B0604020202020204" pitchFamily="34" charset="0"/>
+              <a:buChar char="•"/>
+            </a:pPr>
+            <a:endParaRPr lang="en-US" dirty="0"/>
+          </a:p>
+          <a:p>
+            <a:pPr marL="914400" lvl="1" indent="-457200">
+              <a:buFont typeface="Arial" panose="020B0604020202020204" pitchFamily="34" charset="0"/>
+              <a:buChar char="•"/>
+            </a:pPr>
+            <a:endParaRPr lang="en-US" dirty="0"/>
+          </a:p>
+          <a:p>
+            <a:pPr marL="914400" lvl="1" indent="-457200">
+              <a:buFont typeface="Arial" panose="020B0604020202020204" pitchFamily="34" charset="0"/>
+              <a:buChar char="•"/>
+            </a:pPr>
+            <a:endParaRPr lang="en-US" dirty="0"/>
+          </a:p>
+          <a:p>
+            <a:endParaRPr lang="en-US" dirty="0"/>
+          </a:p>
+        </p:txBody>
+      </p:sp>
     </p:spTree>
     <p:extLst>
       <p:ext uri="{BB962C8B-B14F-4D97-AF65-F5344CB8AC3E}">
         <p14:creationId xmlns:p14="http://schemas.microsoft.com/office/powerpoint/2010/main" val="995638412"/>
+      </p:ext>
+    </p:extLst>
+  </p:cSld>
+  <p:clrMapOvr>
+    <a:masterClrMapping/>
+  </p:clrMapOvr>
+</p:sld>
+</file>
+
+<file path=ppt/slides/slide6.xml><?xml version="1.0" encoding="utf-8"?>
+<p:sld xmlns:a="http://schemas.openxmlformats.org/drawingml/2006/main" xmlns:r="http://schemas.openxmlformats.org/officeDocument/2006/relationships" xmlns:p="http://schemas.openxmlformats.org/presentationml/2006/main">
+  <p:cSld>
+    <p:spTree>
+      <p:nvGrpSpPr>
+        <p:cNvPr id="1" name=""/>
+        <p:cNvGrpSpPr/>
+        <p:nvPr/>
+      </p:nvGrpSpPr>
+      <p:grpSpPr>
+        <a:xfrm>
+          <a:off x="0" y="0"/>
+          <a:ext cx="0" cy="0"/>
+          <a:chOff x="0" y="0"/>
+          <a:chExt cx="0" cy="0"/>
+        </a:xfrm>
+      </p:grpSpPr>
+      <p:sp>
+        <p:nvSpPr>
+          <p:cNvPr id="2" name="Title 1">
+            <a:extLst>
+              <a:ext uri="{FF2B5EF4-FFF2-40B4-BE49-F238E27FC236}">
+                <a16:creationId xmlns:a16="http://schemas.microsoft.com/office/drawing/2014/main" id="{6081A052-CCCA-3A9A-2229-C670AE54DDC5}"/>
+              </a:ext>
+            </a:extLst>
+          </p:cNvPr>
+          <p:cNvSpPr>
+            <a:spLocks noGrp="1"/>
+          </p:cNvSpPr>
+          <p:nvPr>
+            <p:ph type="title"/>
+          </p:nvPr>
+        </p:nvSpPr>
+        <p:spPr>
+          <a:xfrm>
+            <a:off x="449603" y="33968"/>
+            <a:ext cx="4791075" cy="1325563"/>
+          </a:xfrm>
+        </p:spPr>
+        <p:txBody>
+          <a:bodyPr>
+            <a:normAutofit fontScale="90000"/>
+          </a:bodyPr>
+          <a:lstStyle/>
+          <a:p>
+            <a:r>
+              <a:rPr lang="en-US" dirty="0"/>
+              <a:t>Potential challenges with data and/or task</a:t>
+            </a:r>
+          </a:p>
+        </p:txBody>
+      </p:sp>
+      <p:pic>
+        <p:nvPicPr>
+          <p:cNvPr id="7" name="Picture 6">
+            <a:extLst>
+              <a:ext uri="{FF2B5EF4-FFF2-40B4-BE49-F238E27FC236}">
+                <a16:creationId xmlns:a16="http://schemas.microsoft.com/office/drawing/2014/main" id="{B2547A7D-6AD4-68CA-8269-6A89B5DF33C5}"/>
+              </a:ext>
+            </a:extLst>
+          </p:cNvPr>
+          <p:cNvPicPr>
+            <a:picLocks noChangeAspect="1"/>
+          </p:cNvPicPr>
+          <p:nvPr/>
+        </p:nvPicPr>
+        <p:blipFill>
+          <a:blip r:embed="rId2">
+            <a:alphaModFix amt="54000"/>
+          </a:blip>
+          <a:stretch>
+            <a:fillRect/>
+          </a:stretch>
+        </p:blipFill>
+        <p:spPr>
+          <a:xfrm>
+            <a:off x="6518061" y="204477"/>
+            <a:ext cx="5450101" cy="3081648"/>
+          </a:xfrm>
+          <a:prstGeom prst="rect">
+            <a:avLst/>
+          </a:prstGeom>
+        </p:spPr>
+      </p:pic>
+      <p:sp>
+        <p:nvSpPr>
+          <p:cNvPr id="6" name="TextBox 5">
+            <a:extLst>
+              <a:ext uri="{FF2B5EF4-FFF2-40B4-BE49-F238E27FC236}">
+                <a16:creationId xmlns:a16="http://schemas.microsoft.com/office/drawing/2014/main" id="{866553DC-CF63-68CE-C341-2706EE7A7A78}"/>
+              </a:ext>
+            </a:extLst>
+          </p:cNvPr>
+          <p:cNvSpPr txBox="1"/>
+          <p:nvPr/>
+        </p:nvSpPr>
+        <p:spPr>
+          <a:xfrm>
+            <a:off x="8085852" y="3286125"/>
+            <a:ext cx="5768260" cy="253916"/>
+          </a:xfrm>
+          <a:prstGeom prst="rect">
+            <a:avLst/>
+          </a:prstGeom>
+          <a:noFill/>
+        </p:spPr>
+        <p:txBody>
+          <a:bodyPr wrap="square" rtlCol="0">
+            <a:spAutoFit/>
+          </a:bodyPr>
+          <a:lstStyle/>
+          <a:p>
+            <a:r>
+              <a:rPr lang="en-US" sz="1050" dirty="0"/>
+              <a:t>Source: </a:t>
+            </a:r>
+            <a:r>
+              <a:rPr lang="en-US" sz="1050" dirty="0">
+                <a:hlinkClick r:id="rId3"/>
+              </a:rPr>
+              <a:t>https://www.lumahealth.io</a:t>
+            </a:r>
+            <a:r>
+              <a:rPr lang="en-US" sz="1050" dirty="0"/>
+              <a:t>/</a:t>
+            </a:r>
+          </a:p>
+        </p:txBody>
+      </p:sp>
+      <p:sp>
+        <p:nvSpPr>
+          <p:cNvPr id="3" name="TextBox 2">
+            <a:extLst>
+              <a:ext uri="{FF2B5EF4-FFF2-40B4-BE49-F238E27FC236}">
+                <a16:creationId xmlns:a16="http://schemas.microsoft.com/office/drawing/2014/main" id="{BC45B9C8-92AF-6673-A7CD-D9452631182B}"/>
+              </a:ext>
+            </a:extLst>
+          </p:cNvPr>
+          <p:cNvSpPr txBox="1"/>
+          <p:nvPr/>
+        </p:nvSpPr>
+        <p:spPr>
+          <a:xfrm>
+            <a:off x="449603" y="1385562"/>
+            <a:ext cx="7636249" cy="2308324"/>
+          </a:xfrm>
+          <a:prstGeom prst="rect">
+            <a:avLst/>
+          </a:prstGeom>
+          <a:noFill/>
+        </p:spPr>
+        <p:txBody>
+          <a:bodyPr wrap="square" rtlCol="0">
+            <a:spAutoFit/>
+          </a:bodyPr>
+          <a:lstStyle/>
+          <a:p>
+            <a:pPr marL="914400" lvl="1" indent="-457200">
+              <a:buFont typeface="Arial" panose="020B0604020202020204" pitchFamily="34" charset="0"/>
+              <a:buChar char="•"/>
+            </a:pPr>
+            <a:r>
+              <a:rPr lang="en-US" dirty="0"/>
+              <a:t>Features to select (reduction)</a:t>
+            </a:r>
+          </a:p>
+          <a:p>
+            <a:pPr marL="914400" lvl="1" indent="-457200">
+              <a:buFont typeface="Arial" panose="020B0604020202020204" pitchFamily="34" charset="0"/>
+              <a:buChar char="•"/>
+            </a:pPr>
+            <a:r>
+              <a:rPr lang="en-US" dirty="0"/>
+              <a:t>The final target (disease) we can predict</a:t>
+            </a:r>
+          </a:p>
+          <a:p>
+            <a:pPr marL="914400" lvl="1" indent="-457200">
+              <a:buFont typeface="Arial" panose="020B0604020202020204" pitchFamily="34" charset="0"/>
+              <a:buChar char="•"/>
+            </a:pPr>
+            <a:r>
+              <a:rPr lang="en-US" dirty="0"/>
+              <a:t>What model to choose</a:t>
+            </a:r>
+          </a:p>
+          <a:p>
+            <a:pPr marL="914400" lvl="1" indent="-457200">
+              <a:buFont typeface="Arial" panose="020B0604020202020204" pitchFamily="34" charset="0"/>
+              <a:buChar char="•"/>
+            </a:pPr>
+            <a:r>
+              <a:rPr lang="en-US" dirty="0"/>
+              <a:t>The provided data is in SAS format (data conversion)</a:t>
+            </a:r>
+          </a:p>
+          <a:p>
+            <a:pPr marL="1371600" lvl="2" indent="-457200">
+              <a:buFont typeface="Arial" panose="020B0604020202020204" pitchFamily="34" charset="0"/>
+              <a:buChar char="•"/>
+            </a:pPr>
+            <a:endParaRPr lang="en-US" dirty="0"/>
+          </a:p>
+          <a:p>
+            <a:pPr marL="914400" lvl="1" indent="-457200">
+              <a:buFont typeface="Arial" panose="020B0604020202020204" pitchFamily="34" charset="0"/>
+              <a:buChar char="•"/>
+            </a:pPr>
+            <a:endParaRPr lang="en-US" dirty="0"/>
+          </a:p>
+          <a:p>
+            <a:pPr marL="914400" lvl="1" indent="-457200">
+              <a:buFont typeface="Arial" panose="020B0604020202020204" pitchFamily="34" charset="0"/>
+              <a:buChar char="•"/>
+            </a:pPr>
+            <a:endParaRPr lang="en-US" dirty="0"/>
+          </a:p>
+          <a:p>
+            <a:endParaRPr lang="en-US" dirty="0"/>
+          </a:p>
+        </p:txBody>
+      </p:sp>
+    </p:spTree>
+    <p:extLst>
+      <p:ext uri="{BB962C8B-B14F-4D97-AF65-F5344CB8AC3E}">
+        <p14:creationId xmlns:p14="http://schemas.microsoft.com/office/powerpoint/2010/main" val="4114720526"/>
       </p:ext>
     </p:extLst>
   </p:cSld>
